--- a/Enumerable, LINQ.pptx
+++ b/Enumerable, LINQ.pptx
@@ -4702,6 +4702,37 @@
               <a:rPr lang="en-US" dirty="0"/>
               <a:t>Demo</a:t>
             </a:r>
+          </a:p>
+        </p:txBody>
+      </p:sp>
+      <p:sp>
+        <p:nvSpPr>
+          <p:cNvPr id="4" name="Content Placeholder 3">
+            <a:extLst>
+              <a:ext uri="{FF2B5EF4-FFF2-40B4-BE49-F238E27FC236}">
+                <a16:creationId xmlns:a16="http://schemas.microsoft.com/office/drawing/2014/main" id="{E4B8A114-B037-C15D-1953-B51974B6A049}"/>
+              </a:ext>
+            </a:extLst>
+          </p:cNvPr>
+          <p:cNvSpPr>
+            <a:spLocks noGrp="1"/>
+          </p:cNvSpPr>
+          <p:nvPr>
+            <p:ph idx="1"/>
+          </p:nvPr>
+        </p:nvSpPr>
+        <p:spPr/>
+        <p:txBody>
+          <a:bodyPr/>
+          <a:lstStyle/>
+          <a:p>
+            <a:r>
+              <a:rPr lang="en-US" dirty="0">
+                <a:hlinkClick r:id="rId2"/>
+              </a:rPr>
+              <a:t>docs</a:t>
+            </a:r>
+            <a:endParaRPr lang="en-US" dirty="0"/>
           </a:p>
         </p:txBody>
       </p:sp>
